--- a/python_study/project_python/파이썬_프로젝트2/1차 프로젝트/파이썬 활용 산업현장 재해 발생 데이터 가공 및 수집_햄스터(김봄이).pptx
+++ b/python_study/project_python/파이썬_프로젝트2/1차 프로젝트/파이썬 활용 산업현장 재해 발생 데이터 가공 및 수집_햄스터(김봄이).pptx
@@ -1,33 +1,33 @@
 
 <file path=ppt/presentation.xml><?xml version="1.0" encoding="utf-8"?>
-<p:presentation xmlns:a="http://schemas.openxmlformats.org/drawingml/2006/main" xmlns:r="http://schemas.openxmlformats.org/officeDocument/2006/relationships" xmlns:p="http://schemas.openxmlformats.org/presentationml/2006/main" saveSubsetFonts="1">
+<p:presentation xmlns:a="http://schemas.openxmlformats.org/drawingml/2006/main" xmlns:r="http://schemas.openxmlformats.org/officeDocument/2006/relationships" xmlns:p="http://schemas.openxmlformats.org/presentationml/2006/main" xmlns:p14="http://schemas.microsoft.com/office/powerpoint/2010/main" saveSubsetFonts="1">
   <p:sldMasterIdLst>
-    <p:sldMasterId id="2147483648" r:id="rId1"/>
+    <p:sldMasterId id="2147483661" r:id="rId13"/>
   </p:sldMasterIdLst>
   <p:notesMasterIdLst>
-    <p:notesMasterId r:id="rId22"/>
+    <p:notesMasterId r:id="rId15"/>
   </p:notesMasterIdLst>
   <p:sldIdLst>
-    <p:sldId id="256" r:id="rId2"/>
-    <p:sldId id="257" r:id="rId3"/>
-    <p:sldId id="258" r:id="rId4"/>
-    <p:sldId id="286" r:id="rId5"/>
-    <p:sldId id="262" r:id="rId6"/>
-    <p:sldId id="263" r:id="rId7"/>
-    <p:sldId id="265" r:id="rId8"/>
-    <p:sldId id="273" r:id="rId9"/>
-    <p:sldId id="274" r:id="rId10"/>
-    <p:sldId id="275" r:id="rId11"/>
-    <p:sldId id="277" r:id="rId12"/>
-    <p:sldId id="276" r:id="rId13"/>
-    <p:sldId id="266" r:id="rId14"/>
-    <p:sldId id="267" r:id="rId15"/>
-    <p:sldId id="279" r:id="rId16"/>
-    <p:sldId id="270" r:id="rId17"/>
-    <p:sldId id="280" r:id="rId18"/>
-    <p:sldId id="287" r:id="rId19"/>
-    <p:sldId id="282" r:id="rId20"/>
-    <p:sldId id="283" r:id="rId21"/>
+    <p:sldId id="257" r:id="rId17"/>
+    <p:sldId id="256" r:id="rId18"/>
+    <p:sldId id="258" r:id="rId19"/>
+    <p:sldId id="286" r:id="rId20"/>
+    <p:sldId id="262" r:id="rId21"/>
+    <p:sldId id="263" r:id="rId22"/>
+    <p:sldId id="265" r:id="rId23"/>
+    <p:sldId id="273" r:id="rId24"/>
+    <p:sldId id="274" r:id="rId25"/>
+    <p:sldId id="275" r:id="rId26"/>
+    <p:sldId id="277" r:id="rId28"/>
+    <p:sldId id="276" r:id="rId29"/>
+    <p:sldId id="266" r:id="rId30"/>
+    <p:sldId id="267" r:id="rId31"/>
+    <p:sldId id="279" r:id="rId32"/>
+    <p:sldId id="270" r:id="rId33"/>
+    <p:sldId id="280" r:id="rId34"/>
+    <p:sldId id="287" r:id="rId35"/>
+    <p:sldId id="282" r:id="rId36"/>
+    <p:sldId id="283" r:id="rId37"/>
   </p:sldIdLst>
   <p:sldSz cx="18288000" cy="10287000"/>
   <p:notesSz cx="10287000" cy="18288000"/>
@@ -129,12 +129,12 @@
   <p:extLst>
     <p:ext uri="{EFAFB233-063F-42B5-8137-9DF3F51BA10A}">
       <p15:sldGuideLst xmlns:p15="http://schemas.microsoft.com/office/powerpoint/2012/main">
-        <p15:guide id="1" orient="horz" pos="2160">
+        <p15:guide id="1" orient="horz" pos="2159" userDrawn="0">
           <p15:clr>
             <a:srgbClr val="A4A3A4"/>
           </p15:clr>
         </p15:guide>
-        <p15:guide id="2" pos="2880">
+        <p15:guide id="2" pos="2879" userDrawn="0">
           <p15:clr>
             <a:srgbClr val="A4A3A4"/>
           </p15:clr>
@@ -494,7 +494,7 @@
 </p:notesMaster>
 </file>
 
-<file path=ppt/notesSlides/notesSlide1.xml><?xml version="1.0" encoding="utf-8"?>
+<file path=ppt/notesSlides/notesSlide10.xml><?xml version="1.0" encoding="utf-8"?>
 <p:notes xmlns:a="http://schemas.openxmlformats.org/drawingml/2006/main" xmlns:r="http://schemas.openxmlformats.org/officeDocument/2006/relationships" xmlns:p="http://schemas.openxmlformats.org/presentationml/2006/main">
   <p:cSld>
     <p:spTree>
@@ -3472,15 +3472,7 @@
 
 <file path=ppt/slides/slide1.xml><?xml version="1.0" encoding="utf-8"?>
 <p:sld xmlns:a="http://schemas.openxmlformats.org/drawingml/2006/main" xmlns:r="http://schemas.openxmlformats.org/officeDocument/2006/relationships" xmlns:p="http://schemas.openxmlformats.org/presentationml/2006/main">
-  <p:cSld name="Slide 1">
-    <p:bg>
-      <p:bgPr>
-        <a:solidFill>
-          <a:srgbClr val="FFFFFF"/>
-        </a:solidFill>
-        <a:effectLst/>
-      </p:bgPr>
-    </p:bg>
+  <p:cSld>
     <p:spTree>
       <p:nvGrpSpPr>
         <p:cNvPr id="1" name=""/>
@@ -3503,10 +3495,10 @@
         </p:nvGrpSpPr>
         <p:grpSpPr>
           <a:xfrm>
-            <a:off x="2613986" y="1940979"/>
-            <a:ext cx="13095238" cy="15110"/>
-            <a:chOff x="2613986" y="1940979"/>
-            <a:chExt cx="13095238" cy="15110"/>
+            <a:off x="428271" y="9410439"/>
+            <a:ext cx="17428571" cy="9524"/>
+            <a:chOff x="428271" y="9410439"/>
+            <a:chExt cx="17428571" cy="9524"/>
           </a:xfrm>
         </p:grpSpPr>
         <p:pic>
@@ -3525,8 +3517,8 @@
           </p:blipFill>
           <p:spPr>
             <a:xfrm>
-              <a:off x="2613986" y="1940979"/>
-              <a:ext cx="13095238" cy="15110"/>
+              <a:off x="428271" y="9410439"/>
+              <a:ext cx="17428571" cy="9524"/>
             </a:xfrm>
             <a:prstGeom prst="rect">
               <a:avLst/>
@@ -3542,10 +3534,10 @@
         </p:nvGrpSpPr>
         <p:grpSpPr>
           <a:xfrm>
-            <a:off x="2613986" y="1999725"/>
-            <a:ext cx="13095238" cy="50000"/>
-            <a:chOff x="2613986" y="1999725"/>
-            <a:chExt cx="13095238" cy="50000"/>
+            <a:off x="461605" y="9477105"/>
+            <a:ext cx="17361905" cy="28571"/>
+            <a:chOff x="461605" y="9477105"/>
+            <a:chExt cx="17361905" cy="28571"/>
           </a:xfrm>
         </p:grpSpPr>
         <p:pic>
@@ -3564,8 +3556,8 @@
           </p:blipFill>
           <p:spPr>
             <a:xfrm>
-              <a:off x="2613986" y="1999725"/>
-              <a:ext cx="13095238" cy="50000"/>
+              <a:off x="461605" y="9477105"/>
+              <a:ext cx="17361905" cy="28571"/>
             </a:xfrm>
             <a:prstGeom prst="rect">
               <a:avLst/>
@@ -3581,10 +3573,10 @@
         </p:nvGrpSpPr>
         <p:grpSpPr>
           <a:xfrm>
-            <a:off x="2613986" y="4357143"/>
-            <a:ext cx="13095238" cy="92857"/>
-            <a:chOff x="2613986" y="4357143"/>
-            <a:chExt cx="13095238" cy="92857"/>
+            <a:off x="1494884" y="3370049"/>
+            <a:ext cx="670426" cy="670426"/>
+            <a:chOff x="1494884" y="3370049"/>
+            <a:chExt cx="670426" cy="670426"/>
           </a:xfrm>
         </p:grpSpPr>
         <p:pic>
@@ -3603,8 +3595,8 @@
           </p:blipFill>
           <p:spPr>
             <a:xfrm>
-              <a:off x="2613986" y="4357143"/>
-              <a:ext cx="13095238" cy="92857"/>
+              <a:off x="1494884" y="3370049"/>
+              <a:ext cx="670426" cy="670426"/>
             </a:xfrm>
             <a:prstGeom prst="rect">
               <a:avLst/>
@@ -3620,10 +3612,10 @@
         </p:nvGrpSpPr>
         <p:grpSpPr>
           <a:xfrm>
-            <a:off x="13423509" y="7165143"/>
-            <a:ext cx="4571429" cy="35714"/>
-            <a:chOff x="13423509" y="7165143"/>
-            <a:chExt cx="4571429" cy="35714"/>
+            <a:off x="1494884" y="4030952"/>
+            <a:ext cx="4606697" cy="9524"/>
+            <a:chOff x="1494884" y="4030952"/>
+            <a:chExt cx="4606697" cy="9524"/>
           </a:xfrm>
         </p:grpSpPr>
         <p:pic>
@@ -3642,8 +3634,8 @@
           </p:blipFill>
           <p:spPr>
             <a:xfrm>
-              <a:off x="13423509" y="7165143"/>
-              <a:ext cx="4571429" cy="35714"/>
+              <a:off x="1494884" y="4030952"/>
+              <a:ext cx="4606697" cy="9524"/>
             </a:xfrm>
             <a:prstGeom prst="rect">
               <a:avLst/>
@@ -3659,10 +3651,10 @@
         </p:nvGrpSpPr>
         <p:grpSpPr>
           <a:xfrm>
-            <a:off x="13443098" y="7919880"/>
-            <a:ext cx="4571429" cy="7143"/>
-            <a:chOff x="13443098" y="7919880"/>
-            <a:chExt cx="4571429" cy="7143"/>
+            <a:off x="1494884" y="3971377"/>
+            <a:ext cx="670426" cy="66667"/>
+            <a:chOff x="1494884" y="3971377"/>
+            <a:chExt cx="670426" cy="66667"/>
           </a:xfrm>
         </p:grpSpPr>
         <p:pic>
@@ -3681,8 +3673,8 @@
           </p:blipFill>
           <p:spPr>
             <a:xfrm>
-              <a:off x="13443098" y="7919880"/>
-              <a:ext cx="4571429" cy="7143"/>
+              <a:off x="1494884" y="3971377"/>
+              <a:ext cx="670426" cy="66667"/>
             </a:xfrm>
             <a:prstGeom prst="rect">
               <a:avLst/>
@@ -3698,10 +3690,10 @@
         </p:nvGrpSpPr>
         <p:grpSpPr>
           <a:xfrm>
-            <a:off x="13423509" y="9689126"/>
-            <a:ext cx="4571429" cy="14286"/>
-            <a:chOff x="13423509" y="9689126"/>
-            <a:chExt cx="4571429" cy="14286"/>
+            <a:off x="6745633" y="3398620"/>
+            <a:ext cx="670426" cy="670426"/>
+            <a:chOff x="6745633" y="3398620"/>
+            <a:chExt cx="670426" cy="670426"/>
           </a:xfrm>
         </p:grpSpPr>
         <p:pic>
@@ -3713,15 +3705,15 @@
             <p:nvPr/>
           </p:nvPicPr>
           <p:blipFill>
-            <a:blip r:embed="rId7" cstate="print"/>
+            <a:blip r:embed="rId4" cstate="print"/>
             <a:stretch>
               <a:fillRect/>
             </a:stretch>
           </p:blipFill>
           <p:spPr>
             <a:xfrm>
-              <a:off x="13423509" y="9689126"/>
-              <a:ext cx="4571429" cy="14286"/>
+              <a:off x="6745633" y="3398620"/>
+              <a:ext cx="670426" cy="670426"/>
             </a:xfrm>
             <a:prstGeom prst="rect">
               <a:avLst/>
@@ -3737,10 +3729,10 @@
         </p:nvGrpSpPr>
         <p:grpSpPr>
           <a:xfrm>
-            <a:off x="13218499" y="8446027"/>
-            <a:ext cx="2441750" cy="9524"/>
-            <a:chOff x="13218499" y="8446027"/>
-            <a:chExt cx="2441750" cy="9524"/>
+            <a:off x="6745633" y="4059523"/>
+            <a:ext cx="4606697" cy="9524"/>
+            <a:chOff x="6745633" y="4059523"/>
+            <a:chExt cx="4606697" cy="9524"/>
           </a:xfrm>
         </p:grpSpPr>
         <p:pic>
@@ -3752,15 +3744,15 @@
             <p:nvPr/>
           </p:nvPicPr>
           <p:blipFill>
-            <a:blip r:embed="rId8" cstate="print"/>
+            <a:blip r:embed="rId5" cstate="print"/>
             <a:stretch>
               <a:fillRect/>
             </a:stretch>
           </p:blipFill>
           <p:spPr>
-            <a:xfrm rot="5400000">
-              <a:off x="13218499" y="8446027"/>
-              <a:ext cx="2441750" cy="9524"/>
+            <a:xfrm>
+              <a:off x="6745633" y="4059523"/>
+              <a:ext cx="4606697" cy="9524"/>
             </a:xfrm>
             <a:prstGeom prst="rect">
               <a:avLst/>
@@ -3776,10 +3768,10 @@
         </p:nvGrpSpPr>
         <p:grpSpPr>
           <a:xfrm>
-            <a:off x="13423509" y="8514511"/>
-            <a:ext cx="4571429" cy="7143"/>
-            <a:chOff x="13423509" y="8514511"/>
-            <a:chExt cx="4571429" cy="7143"/>
+            <a:off x="6745633" y="3999948"/>
+            <a:ext cx="670426" cy="66667"/>
+            <a:chOff x="6745633" y="3999948"/>
+            <a:chExt cx="670426" cy="66667"/>
           </a:xfrm>
         </p:grpSpPr>
         <p:pic>
@@ -3798,8 +3790,8 @@
           </p:blipFill>
           <p:spPr>
             <a:xfrm>
-              <a:off x="13423509" y="8514511"/>
-              <a:ext cx="4571429" cy="7143"/>
+              <a:off x="6745633" y="3999948"/>
+              <a:ext cx="670426" cy="66667"/>
             </a:xfrm>
             <a:prstGeom prst="rect">
               <a:avLst/>
@@ -3815,15 +3807,93 @@
         </p:nvGrpSpPr>
         <p:grpSpPr>
           <a:xfrm>
-            <a:off x="13423509" y="9143667"/>
-            <a:ext cx="4571429" cy="7143"/>
-            <a:chOff x="13423509" y="9143667"/>
-            <a:chExt cx="4571429" cy="7143"/>
+            <a:off x="11996382" y="3398620"/>
+            <a:ext cx="670426" cy="670426"/>
+            <a:chOff x="11996382" y="3398620"/>
+            <a:chExt cx="670426" cy="670426"/>
           </a:xfrm>
         </p:grpSpPr>
         <p:pic>
           <p:nvPicPr>
             <p:cNvPr id="27" name="Object 26"/>
+            <p:cNvPicPr>
+              <a:picLocks noChangeAspect="1"/>
+            </p:cNvPicPr>
+            <p:nvPr/>
+          </p:nvPicPr>
+          <p:blipFill>
+            <a:blip r:embed="rId4" cstate="print"/>
+            <a:stretch>
+              <a:fillRect/>
+            </a:stretch>
+          </p:blipFill>
+          <p:spPr>
+            <a:xfrm>
+              <a:off x="11996382" y="3398620"/>
+              <a:ext cx="670426" cy="670426"/>
+            </a:xfrm>
+            <a:prstGeom prst="rect">
+              <a:avLst/>
+            </a:prstGeom>
+          </p:spPr>
+        </p:pic>
+      </p:grpSp>
+      <p:grpSp>
+        <p:nvGrpSpPr>
+          <p:cNvPr id="1010" name="그룹 1010"/>
+          <p:cNvGrpSpPr/>
+          <p:nvPr/>
+        </p:nvGrpSpPr>
+        <p:grpSpPr>
+          <a:xfrm>
+            <a:off x="11996382" y="4059523"/>
+            <a:ext cx="4606697" cy="9524"/>
+            <a:chOff x="11996382" y="4059523"/>
+            <a:chExt cx="4606697" cy="9524"/>
+          </a:xfrm>
+        </p:grpSpPr>
+        <p:pic>
+          <p:nvPicPr>
+            <p:cNvPr id="30" name="Object 29"/>
+            <p:cNvPicPr>
+              <a:picLocks noChangeAspect="1"/>
+            </p:cNvPicPr>
+            <p:nvPr/>
+          </p:nvPicPr>
+          <p:blipFill>
+            <a:blip r:embed="rId5" cstate="print"/>
+            <a:stretch>
+              <a:fillRect/>
+            </a:stretch>
+          </p:blipFill>
+          <p:spPr>
+            <a:xfrm>
+              <a:off x="11996382" y="4059523"/>
+              <a:ext cx="4606697" cy="9524"/>
+            </a:xfrm>
+            <a:prstGeom prst="rect">
+              <a:avLst/>
+            </a:prstGeom>
+          </p:spPr>
+        </p:pic>
+      </p:grpSp>
+      <p:grpSp>
+        <p:nvGrpSpPr>
+          <p:cNvPr id="1011" name="그룹 1011"/>
+          <p:cNvGrpSpPr/>
+          <p:nvPr/>
+        </p:nvGrpSpPr>
+        <p:grpSpPr>
+          <a:xfrm>
+            <a:off x="11996382" y="3999948"/>
+            <a:ext cx="670426" cy="66667"/>
+            <a:chOff x="11996382" y="3999948"/>
+            <a:chExt cx="670426" cy="66667"/>
+          </a:xfrm>
+        </p:grpSpPr>
+        <p:pic>
+          <p:nvPicPr>
+            <p:cNvPr id="33" name="Object 32"/>
             <p:cNvPicPr>
               <a:picLocks noChangeAspect="1"/>
             </p:cNvPicPr>
@@ -3837,8 +3907,281 @@
           </p:blipFill>
           <p:spPr>
             <a:xfrm>
-              <a:off x="13423509" y="9143667"/>
-              <a:ext cx="4571429" cy="7143"/>
+              <a:off x="11996382" y="3999948"/>
+              <a:ext cx="670426" cy="66667"/>
+            </a:xfrm>
+            <a:prstGeom prst="rect">
+              <a:avLst/>
+            </a:prstGeom>
+          </p:spPr>
+        </p:pic>
+      </p:grpSp>
+      <p:grpSp>
+        <p:nvGrpSpPr>
+          <p:cNvPr id="1012" name="그룹 1012"/>
+          <p:cNvGrpSpPr/>
+          <p:nvPr/>
+        </p:nvGrpSpPr>
+        <p:grpSpPr>
+          <a:xfrm>
+            <a:off x="1494884" y="6084335"/>
+            <a:ext cx="670426" cy="670426"/>
+            <a:chOff x="1494884" y="6084335"/>
+            <a:chExt cx="670426" cy="670426"/>
+          </a:xfrm>
+        </p:grpSpPr>
+        <p:pic>
+          <p:nvPicPr>
+            <p:cNvPr id="36" name="Object 35"/>
+            <p:cNvPicPr>
+              <a:picLocks noChangeAspect="1"/>
+            </p:cNvPicPr>
+            <p:nvPr/>
+          </p:nvPicPr>
+          <p:blipFill>
+            <a:blip r:embed="rId4" cstate="print"/>
+            <a:stretch>
+              <a:fillRect/>
+            </a:stretch>
+          </p:blipFill>
+          <p:spPr>
+            <a:xfrm>
+              <a:off x="1494884" y="6084335"/>
+              <a:ext cx="670426" cy="670426"/>
+            </a:xfrm>
+            <a:prstGeom prst="rect">
+              <a:avLst/>
+            </a:prstGeom>
+          </p:spPr>
+        </p:pic>
+      </p:grpSp>
+      <p:grpSp>
+        <p:nvGrpSpPr>
+          <p:cNvPr id="1013" name="그룹 1013"/>
+          <p:cNvGrpSpPr/>
+          <p:nvPr/>
+        </p:nvGrpSpPr>
+        <p:grpSpPr>
+          <a:xfrm>
+            <a:off x="1494884" y="6745237"/>
+            <a:ext cx="4606697" cy="9524"/>
+            <a:chOff x="1494884" y="6745237"/>
+            <a:chExt cx="4606697" cy="9524"/>
+          </a:xfrm>
+        </p:grpSpPr>
+        <p:pic>
+          <p:nvPicPr>
+            <p:cNvPr id="39" name="Object 38"/>
+            <p:cNvPicPr>
+              <a:picLocks noChangeAspect="1"/>
+            </p:cNvPicPr>
+            <p:nvPr/>
+          </p:nvPicPr>
+          <p:blipFill>
+            <a:blip r:embed="rId5" cstate="print"/>
+            <a:stretch>
+              <a:fillRect/>
+            </a:stretch>
+          </p:blipFill>
+          <p:spPr>
+            <a:xfrm>
+              <a:off x="1494884" y="6745237"/>
+              <a:ext cx="4606697" cy="9524"/>
+            </a:xfrm>
+            <a:prstGeom prst="rect">
+              <a:avLst/>
+            </a:prstGeom>
+          </p:spPr>
+        </p:pic>
+      </p:grpSp>
+      <p:grpSp>
+        <p:nvGrpSpPr>
+          <p:cNvPr id="1014" name="그룹 1014"/>
+          <p:cNvGrpSpPr/>
+          <p:nvPr/>
+        </p:nvGrpSpPr>
+        <p:grpSpPr>
+          <a:xfrm>
+            <a:off x="1494884" y="6685663"/>
+            <a:ext cx="670426" cy="66667"/>
+            <a:chOff x="1494884" y="6685663"/>
+            <a:chExt cx="670426" cy="66667"/>
+          </a:xfrm>
+        </p:grpSpPr>
+        <p:pic>
+          <p:nvPicPr>
+            <p:cNvPr id="42" name="Object 41"/>
+            <p:cNvPicPr>
+              <a:picLocks noChangeAspect="1"/>
+            </p:cNvPicPr>
+            <p:nvPr/>
+          </p:nvPicPr>
+          <p:blipFill>
+            <a:blip r:embed="rId6" cstate="print"/>
+            <a:stretch>
+              <a:fillRect/>
+            </a:stretch>
+          </p:blipFill>
+          <p:spPr>
+            <a:xfrm>
+              <a:off x="1494884" y="6685663"/>
+              <a:ext cx="670426" cy="66667"/>
+            </a:xfrm>
+            <a:prstGeom prst="rect">
+              <a:avLst/>
+            </a:prstGeom>
+          </p:spPr>
+        </p:pic>
+      </p:grpSp>
+      <p:grpSp>
+        <p:nvGrpSpPr>
+          <p:cNvPr id="1015" name="그룹 1015"/>
+          <p:cNvGrpSpPr/>
+          <p:nvPr/>
+        </p:nvGrpSpPr>
+        <p:grpSpPr>
+          <a:xfrm>
+            <a:off x="11996382" y="6084335"/>
+            <a:ext cx="670426" cy="670426"/>
+            <a:chOff x="11996382" y="6084335"/>
+            <a:chExt cx="670426" cy="670426"/>
+          </a:xfrm>
+        </p:grpSpPr>
+        <p:pic>
+          <p:nvPicPr>
+            <p:cNvPr id="45" name="Object 44"/>
+            <p:cNvPicPr>
+              <a:picLocks noChangeAspect="1"/>
+            </p:cNvPicPr>
+            <p:nvPr/>
+          </p:nvPicPr>
+          <p:blipFill>
+            <a:blip r:embed="rId4" cstate="print"/>
+            <a:stretch>
+              <a:fillRect/>
+            </a:stretch>
+          </p:blipFill>
+          <p:spPr>
+            <a:xfrm>
+              <a:off x="11996382" y="6084335"/>
+              <a:ext cx="670426" cy="670426"/>
+            </a:xfrm>
+            <a:prstGeom prst="rect">
+              <a:avLst/>
+            </a:prstGeom>
+          </p:spPr>
+        </p:pic>
+      </p:grpSp>
+      <p:grpSp>
+        <p:nvGrpSpPr>
+          <p:cNvPr id="1016" name="그룹 1016"/>
+          <p:cNvGrpSpPr/>
+          <p:nvPr/>
+        </p:nvGrpSpPr>
+        <p:grpSpPr>
+          <a:xfrm>
+            <a:off x="11996382" y="6745237"/>
+            <a:ext cx="4606697" cy="9524"/>
+            <a:chOff x="11996382" y="6745237"/>
+            <a:chExt cx="4606697" cy="9524"/>
+          </a:xfrm>
+        </p:grpSpPr>
+        <p:pic>
+          <p:nvPicPr>
+            <p:cNvPr id="48" name="Object 47"/>
+            <p:cNvPicPr>
+              <a:picLocks noChangeAspect="1"/>
+            </p:cNvPicPr>
+            <p:nvPr/>
+          </p:nvPicPr>
+          <p:blipFill>
+            <a:blip r:embed="rId5" cstate="print"/>
+            <a:stretch>
+              <a:fillRect/>
+            </a:stretch>
+          </p:blipFill>
+          <p:spPr>
+            <a:xfrm>
+              <a:off x="11996382" y="6745237"/>
+              <a:ext cx="4606697" cy="9524"/>
+            </a:xfrm>
+            <a:prstGeom prst="rect">
+              <a:avLst/>
+            </a:prstGeom>
+          </p:spPr>
+        </p:pic>
+      </p:grpSp>
+      <p:grpSp>
+        <p:nvGrpSpPr>
+          <p:cNvPr id="1017" name="그룹 1017"/>
+          <p:cNvGrpSpPr/>
+          <p:nvPr/>
+        </p:nvGrpSpPr>
+        <p:grpSpPr>
+          <a:xfrm>
+            <a:off x="11996382" y="6685663"/>
+            <a:ext cx="670426" cy="66667"/>
+            <a:chOff x="11996382" y="6685663"/>
+            <a:chExt cx="670426" cy="66667"/>
+          </a:xfrm>
+        </p:grpSpPr>
+        <p:pic>
+          <p:nvPicPr>
+            <p:cNvPr id="51" name="Object 50"/>
+            <p:cNvPicPr>
+              <a:picLocks noChangeAspect="1"/>
+            </p:cNvPicPr>
+            <p:nvPr/>
+          </p:nvPicPr>
+          <p:blipFill>
+            <a:blip r:embed="rId6" cstate="print"/>
+            <a:stretch>
+              <a:fillRect/>
+            </a:stretch>
+          </p:blipFill>
+          <p:spPr>
+            <a:xfrm>
+              <a:off x="11996382" y="6685663"/>
+              <a:ext cx="670426" cy="66667"/>
+            </a:xfrm>
+            <a:prstGeom prst="rect">
+              <a:avLst/>
+            </a:prstGeom>
+          </p:spPr>
+        </p:pic>
+      </p:grpSp>
+      <p:grpSp>
+        <p:nvGrpSpPr>
+          <p:cNvPr id="1018" name="그룹 1018"/>
+          <p:cNvGrpSpPr/>
+          <p:nvPr/>
+        </p:nvGrpSpPr>
+        <p:grpSpPr>
+          <a:xfrm>
+            <a:off x="1229619" y="1532412"/>
+            <a:ext cx="3053047" cy="47619"/>
+            <a:chOff x="1229619" y="1532412"/>
+            <a:chExt cx="3053047" cy="47619"/>
+          </a:xfrm>
+        </p:grpSpPr>
+        <p:pic>
+          <p:nvPicPr>
+            <p:cNvPr id="54" name="Object 53"/>
+            <p:cNvPicPr>
+              <a:picLocks noChangeAspect="1"/>
+            </p:cNvPicPr>
+            <p:nvPr/>
+          </p:nvPicPr>
+          <p:blipFill>
+            <a:blip r:embed="rId7" cstate="print"/>
+            <a:stretch>
+              <a:fillRect/>
+            </a:stretch>
+          </p:blipFill>
+          <p:spPr>
+            <a:xfrm>
+              <a:off x="1229619" y="1532412"/>
+              <a:ext cx="3053047" cy="47619"/>
             </a:xfrm>
             <a:prstGeom prst="rect">
               <a:avLst/>
@@ -3848,7 +4191,31 @@
       </p:grpSp>
       <p:pic>
         <p:nvPicPr>
-          <p:cNvPr id="29" name="Object 28"/>
+          <p:cNvPr id="56" name="Object 55"/>
+          <p:cNvPicPr>
+            <a:picLocks noChangeAspect="1"/>
+          </p:cNvPicPr>
+          <p:nvPr/>
+        </p:nvPicPr>
+        <p:blipFill>
+          <a:blip r:embed="rId8" cstate="print"/>
+          <a:stretch>
+            <a:fillRect/>
+          </a:stretch>
+        </p:blipFill>
+        <p:spPr>
+          <a:xfrm>
+            <a:off x="1016286" y="419974"/>
+            <a:ext cx="2084581" cy="1683981"/>
+          </a:xfrm>
+          <a:prstGeom prst="rect">
+            <a:avLst/>
+          </a:prstGeom>
+        </p:spPr>
+      </p:pic>
+      <p:pic>
+        <p:nvPicPr>
+          <p:cNvPr id="57" name="Object 56"/>
           <p:cNvPicPr>
             <a:picLocks noChangeAspect="1"/>
           </p:cNvPicPr>
@@ -3862,8 +4229,8 @@
         </p:blipFill>
         <p:spPr>
           <a:xfrm>
-            <a:off x="-801557" y="1525032"/>
-            <a:ext cx="17334448" cy="3755667"/>
+            <a:off x="2221298" y="3230511"/>
+            <a:ext cx="1615467" cy="1086019"/>
           </a:xfrm>
           <a:prstGeom prst="rect">
             <a:avLst/>
@@ -3872,7 +4239,7 @@
       </p:pic>
       <p:pic>
         <p:nvPicPr>
-          <p:cNvPr id="30" name="Object 29"/>
+          <p:cNvPr id="58" name="Object 57"/>
           <p:cNvPicPr>
             <a:picLocks noChangeAspect="1"/>
           </p:cNvPicPr>
@@ -3886,8 +4253,8 @@
         </p:blipFill>
         <p:spPr>
           <a:xfrm>
-            <a:off x="5976636" y="4381877"/>
-            <a:ext cx="6083857" cy="1122943"/>
+            <a:off x="1531748" y="3230030"/>
+            <a:ext cx="736886" cy="981819"/>
           </a:xfrm>
           <a:prstGeom prst="rect">
             <a:avLst/>
@@ -3896,7 +4263,7 @@
       </p:pic>
       <p:pic>
         <p:nvPicPr>
-          <p:cNvPr id="31" name="Object 30"/>
+          <p:cNvPr id="59" name="Object 58"/>
           <p:cNvPicPr>
             <a:picLocks noChangeAspect="1"/>
           </p:cNvPicPr>
@@ -3910,8 +4277,8 @@
         </p:blipFill>
         <p:spPr>
           <a:xfrm>
-            <a:off x="17004916" y="202103"/>
-            <a:ext cx="1097943" cy="797924"/>
+            <a:off x="7481570" y="3259082"/>
+            <a:ext cx="4192695" cy="1086019"/>
           </a:xfrm>
           <a:prstGeom prst="rect">
             <a:avLst/>
@@ -3920,7 +4287,7 @@
       </p:pic>
       <p:pic>
         <p:nvPicPr>
-          <p:cNvPr id="32" name="Object 31"/>
+          <p:cNvPr id="60" name="Object 59"/>
           <p:cNvPicPr>
             <a:picLocks noChangeAspect="1"/>
           </p:cNvPicPr>
@@ -3934,8 +4301,8 @@
         </p:blipFill>
         <p:spPr>
           <a:xfrm>
-            <a:off x="13507505" y="7208576"/>
-            <a:ext cx="1015619" cy="882390"/>
+            <a:off x="6806905" y="3258600"/>
+            <a:ext cx="739848" cy="981819"/>
           </a:xfrm>
           <a:prstGeom prst="rect">
             <a:avLst/>
@@ -3944,7 +4311,7 @@
       </p:pic>
       <p:pic>
         <p:nvPicPr>
-          <p:cNvPr id="33" name="Object 32"/>
+          <p:cNvPr id="61" name="Object 60"/>
           <p:cNvPicPr>
             <a:picLocks noChangeAspect="1"/>
           </p:cNvPicPr>
@@ -3958,8 +4325,8 @@
         </p:blipFill>
         <p:spPr>
           <a:xfrm>
-            <a:off x="13507391" y="7871314"/>
-            <a:ext cx="1044419" cy="882733"/>
+            <a:off x="12741843" y="3298663"/>
+            <a:ext cx="2931562" cy="1635448"/>
           </a:xfrm>
           <a:prstGeom prst="rect">
             <a:avLst/>
@@ -3968,7 +4335,7 @@
       </p:pic>
       <p:pic>
         <p:nvPicPr>
-          <p:cNvPr id="34" name="Object 33"/>
+          <p:cNvPr id="62" name="Object 61"/>
           <p:cNvPicPr>
             <a:picLocks noChangeAspect="1"/>
           </p:cNvPicPr>
@@ -3982,8 +4349,8 @@
         </p:blipFill>
         <p:spPr>
           <a:xfrm>
-            <a:off x="13507391" y="8426038"/>
-            <a:ext cx="1025371" cy="882733"/>
+            <a:off x="12062543" y="3258600"/>
+            <a:ext cx="725133" cy="991343"/>
           </a:xfrm>
           <a:prstGeom prst="rect">
             <a:avLst/>
@@ -3992,31 +4359,7 @@
       </p:pic>
       <p:pic>
         <p:nvPicPr>
-          <p:cNvPr id="35" name="Object 34"/>
-          <p:cNvPicPr>
-            <a:picLocks noChangeAspect="1"/>
-          </p:cNvPicPr>
-          <p:nvPr/>
-        </p:nvPicPr>
-        <p:blipFill>
-          <a:blip r:embed="rId14" cstate="print"/>
-          <a:stretch>
-            <a:fillRect/>
-          </a:stretch>
-        </p:blipFill>
-        <p:spPr>
-          <a:xfrm>
-            <a:off x="13543581" y="9024134"/>
-            <a:ext cx="1025371" cy="882733"/>
-          </a:xfrm>
-          <a:prstGeom prst="rect">
-            <a:avLst/>
-          </a:prstGeom>
-        </p:spPr>
-      </p:pic>
-      <p:pic>
-        <p:nvPicPr>
-          <p:cNvPr id="36" name="Object 35"/>
+          <p:cNvPr id="63" name="Object 62"/>
           <p:cNvPicPr>
             <a:picLocks noChangeAspect="1"/>
           </p:cNvPicPr>
@@ -4030,8 +4373,8 @@
         </p:blipFill>
         <p:spPr>
           <a:xfrm>
-            <a:off x="14895591" y="7096166"/>
-            <a:ext cx="2385705" cy="1078581"/>
+            <a:off x="2240345" y="5984377"/>
+            <a:ext cx="3347038" cy="1635448"/>
           </a:xfrm>
           <a:prstGeom prst="rect">
             <a:avLst/>
@@ -4040,7 +4383,7 @@
       </p:pic>
       <p:pic>
         <p:nvPicPr>
-          <p:cNvPr id="37" name="Object 36"/>
+          <p:cNvPr id="64" name="Object 63"/>
           <p:cNvPicPr>
             <a:picLocks noChangeAspect="1"/>
           </p:cNvPicPr>
@@ -4054,8 +4397,8 @@
         </p:blipFill>
         <p:spPr>
           <a:xfrm>
-            <a:off x="14903210" y="7741880"/>
-            <a:ext cx="2385705" cy="1069057"/>
+            <a:off x="1573571" y="5944314"/>
+            <a:ext cx="687619" cy="981819"/>
           </a:xfrm>
           <a:prstGeom prst="rect">
             <a:avLst/>
@@ -4064,7 +4407,7 @@
       </p:pic>
       <p:pic>
         <p:nvPicPr>
-          <p:cNvPr id="38" name="Object 37"/>
+          <p:cNvPr id="65" name="Object 64"/>
           <p:cNvPicPr>
             <a:picLocks noChangeAspect="1"/>
           </p:cNvPicPr>
@@ -4078,8 +4421,8 @@
         </p:blipFill>
         <p:spPr>
           <a:xfrm>
-            <a:off x="14901305" y="8368547"/>
-            <a:ext cx="2423800" cy="1078581"/>
+            <a:off x="12779939" y="5897177"/>
+            <a:ext cx="1594610" cy="1124114"/>
           </a:xfrm>
           <a:prstGeom prst="rect">
             <a:avLst/>
@@ -4088,7 +4431,7 @@
       </p:pic>
       <p:pic>
         <p:nvPicPr>
-          <p:cNvPr id="39" name="Object 38"/>
+          <p:cNvPr id="66" name="Object 65"/>
           <p:cNvPicPr>
             <a:picLocks noChangeAspect="1"/>
           </p:cNvPicPr>
@@ -4102,8 +4445,197 @@
         </p:blipFill>
         <p:spPr>
           <a:xfrm>
-            <a:off x="14901305" y="8949499"/>
-            <a:ext cx="2490467" cy="1078581"/>
+            <a:off x="12072682" y="5944313"/>
+            <a:ext cx="685238" cy="991343"/>
+          </a:xfrm>
+          <a:prstGeom prst="rect">
+            <a:avLst/>
+          </a:prstGeom>
+        </p:spPr>
+      </p:pic>
+      <p:pic>
+        <p:nvPicPr>
+          <p:cNvPr id="67" name="Object 66"/>
+          <p:cNvPicPr>
+            <a:picLocks noChangeAspect="1"/>
+          </p:cNvPicPr>
+          <p:nvPr/>
+        </p:nvPicPr>
+        <p:blipFill>
+          <a:blip r:embed="rId19" cstate="print"/>
+          <a:stretch>
+            <a:fillRect/>
+          </a:stretch>
+        </p:blipFill>
+        <p:spPr>
+          <a:xfrm>
+            <a:off x="16799913" y="9658752"/>
+            <a:ext cx="1097943" cy="797924"/>
+          </a:xfrm>
+          <a:prstGeom prst="rect">
+            <a:avLst/>
+          </a:prstGeom>
+        </p:spPr>
+      </p:pic>
+      <p:grpSp>
+        <p:nvGrpSpPr>
+          <p:cNvPr id="1019" name="그룹 1019"/>
+          <p:cNvGrpSpPr/>
+          <p:nvPr/>
+        </p:nvGrpSpPr>
+        <p:grpSpPr>
+          <a:xfrm>
+            <a:off x="6745633" y="6084335"/>
+            <a:ext cx="670426" cy="670426"/>
+            <a:chOff x="6745633" y="6084335"/>
+            <a:chExt cx="670426" cy="670426"/>
+          </a:xfrm>
+        </p:grpSpPr>
+        <p:pic>
+          <p:nvPicPr>
+            <p:cNvPr id="69" name="Object 68"/>
+            <p:cNvPicPr>
+              <a:picLocks noChangeAspect="1"/>
+            </p:cNvPicPr>
+            <p:nvPr/>
+          </p:nvPicPr>
+          <p:blipFill>
+            <a:blip r:embed="rId4" cstate="print"/>
+            <a:stretch>
+              <a:fillRect/>
+            </a:stretch>
+          </p:blipFill>
+          <p:spPr>
+            <a:xfrm>
+              <a:off x="6745633" y="6084335"/>
+              <a:ext cx="670426" cy="670426"/>
+            </a:xfrm>
+            <a:prstGeom prst="rect">
+              <a:avLst/>
+            </a:prstGeom>
+          </p:spPr>
+        </p:pic>
+      </p:grpSp>
+      <p:grpSp>
+        <p:nvGrpSpPr>
+          <p:cNvPr id="1020" name="그룹 1020"/>
+          <p:cNvGrpSpPr/>
+          <p:nvPr/>
+        </p:nvGrpSpPr>
+        <p:grpSpPr>
+          <a:xfrm>
+            <a:off x="6745633" y="6745237"/>
+            <a:ext cx="4606697" cy="9524"/>
+            <a:chOff x="6745633" y="6745237"/>
+            <a:chExt cx="4606697" cy="9524"/>
+          </a:xfrm>
+        </p:grpSpPr>
+        <p:pic>
+          <p:nvPicPr>
+            <p:cNvPr id="72" name="Object 71"/>
+            <p:cNvPicPr>
+              <a:picLocks noChangeAspect="1"/>
+            </p:cNvPicPr>
+            <p:nvPr/>
+          </p:nvPicPr>
+          <p:blipFill>
+            <a:blip r:embed="rId5" cstate="print"/>
+            <a:stretch>
+              <a:fillRect/>
+            </a:stretch>
+          </p:blipFill>
+          <p:spPr>
+            <a:xfrm>
+              <a:off x="6745633" y="6745237"/>
+              <a:ext cx="4606697" cy="9524"/>
+            </a:xfrm>
+            <a:prstGeom prst="rect">
+              <a:avLst/>
+            </a:prstGeom>
+          </p:spPr>
+        </p:pic>
+      </p:grpSp>
+      <p:grpSp>
+        <p:nvGrpSpPr>
+          <p:cNvPr id="1021" name="그룹 1021"/>
+          <p:cNvGrpSpPr/>
+          <p:nvPr/>
+        </p:nvGrpSpPr>
+        <p:grpSpPr>
+          <a:xfrm>
+            <a:off x="6745633" y="6685663"/>
+            <a:ext cx="670426" cy="66667"/>
+            <a:chOff x="6745633" y="6685663"/>
+            <a:chExt cx="670426" cy="66667"/>
+          </a:xfrm>
+        </p:grpSpPr>
+        <p:pic>
+          <p:nvPicPr>
+            <p:cNvPr id="75" name="Object 74"/>
+            <p:cNvPicPr>
+              <a:picLocks noChangeAspect="1"/>
+            </p:cNvPicPr>
+            <p:nvPr/>
+          </p:nvPicPr>
+          <p:blipFill>
+            <a:blip r:embed="rId6" cstate="print"/>
+            <a:stretch>
+              <a:fillRect/>
+            </a:stretch>
+          </p:blipFill>
+          <p:spPr>
+            <a:xfrm>
+              <a:off x="6745633" y="6685663"/>
+              <a:ext cx="670426" cy="66667"/>
+            </a:xfrm>
+            <a:prstGeom prst="rect">
+              <a:avLst/>
+            </a:prstGeom>
+          </p:spPr>
+        </p:pic>
+      </p:grpSp>
+      <p:pic>
+        <p:nvPicPr>
+          <p:cNvPr id="77" name="Object 76"/>
+          <p:cNvPicPr>
+            <a:picLocks noChangeAspect="1"/>
+          </p:cNvPicPr>
+          <p:nvPr/>
+        </p:nvPicPr>
+        <p:blipFill>
+          <a:blip r:embed="rId20" cstate="print"/>
+          <a:stretch>
+            <a:fillRect/>
+          </a:stretch>
+        </p:blipFill>
+        <p:spPr>
+          <a:xfrm>
+            <a:off x="7548237" y="5984377"/>
+            <a:ext cx="2594067" cy="1635448"/>
+          </a:xfrm>
+          <a:prstGeom prst="rect">
+            <a:avLst/>
+          </a:prstGeom>
+        </p:spPr>
+      </p:pic>
+      <p:pic>
+        <p:nvPicPr>
+          <p:cNvPr id="78" name="Object 77"/>
+          <p:cNvPicPr>
+            <a:picLocks noChangeAspect="1"/>
+          </p:cNvPicPr>
+          <p:nvPr/>
+        </p:nvPicPr>
+        <p:blipFill>
+          <a:blip r:embed="rId21" cstate="print"/>
+          <a:stretch>
+            <a:fillRect/>
+          </a:stretch>
+        </p:blipFill>
+        <p:spPr>
+          <a:xfrm>
+            <a:off x="6809733" y="5944314"/>
+            <a:ext cx="731362" cy="991343"/>
           </a:xfrm>
           <a:prstGeom prst="rect">
             <a:avLst/>
@@ -8606,7 +9138,15 @@
 
 <file path=ppt/slides/slide2.xml><?xml version="1.0" encoding="utf-8"?>
 <p:sld xmlns:a="http://schemas.openxmlformats.org/drawingml/2006/main" xmlns:r="http://schemas.openxmlformats.org/officeDocument/2006/relationships" xmlns:p="http://schemas.openxmlformats.org/presentationml/2006/main">
-  <p:cSld>
+  <p:cSld name="Slide 1">
+    <p:bg>
+      <p:bgPr>
+        <a:solidFill>
+          <a:srgbClr val="FFFFFF"/>
+        </a:solidFill>
+        <a:effectLst/>
+      </p:bgPr>
+    </p:bg>
     <p:spTree>
       <p:nvGrpSpPr>
         <p:cNvPr id="1" name=""/>
@@ -8629,10 +9169,10 @@
         </p:nvGrpSpPr>
         <p:grpSpPr>
           <a:xfrm>
-            <a:off x="428271" y="9410439"/>
-            <a:ext cx="17428571" cy="9524"/>
-            <a:chOff x="428271" y="9410439"/>
-            <a:chExt cx="17428571" cy="9524"/>
+            <a:off x="2613986" y="1940979"/>
+            <a:ext cx="13095238" cy="15110"/>
+            <a:chOff x="2613986" y="1940979"/>
+            <a:chExt cx="13095238" cy="15110"/>
           </a:xfrm>
         </p:grpSpPr>
         <p:pic>
@@ -8651,8 +9191,8 @@
           </p:blipFill>
           <p:spPr>
             <a:xfrm>
-              <a:off x="428271" y="9410439"/>
-              <a:ext cx="17428571" cy="9524"/>
+              <a:off x="2613986" y="1940979"/>
+              <a:ext cx="13095238" cy="15110"/>
             </a:xfrm>
             <a:prstGeom prst="rect">
               <a:avLst/>
@@ -8668,10 +9208,10 @@
         </p:nvGrpSpPr>
         <p:grpSpPr>
           <a:xfrm>
-            <a:off x="461605" y="9477105"/>
-            <a:ext cx="17361905" cy="28571"/>
-            <a:chOff x="461605" y="9477105"/>
-            <a:chExt cx="17361905" cy="28571"/>
+            <a:off x="2613986" y="1999725"/>
+            <a:ext cx="13095238" cy="50000"/>
+            <a:chOff x="2613986" y="1999725"/>
+            <a:chExt cx="13095238" cy="50000"/>
           </a:xfrm>
         </p:grpSpPr>
         <p:pic>
@@ -8690,8 +9230,8 @@
           </p:blipFill>
           <p:spPr>
             <a:xfrm>
-              <a:off x="461605" y="9477105"/>
-              <a:ext cx="17361905" cy="28571"/>
+              <a:off x="2613986" y="1999725"/>
+              <a:ext cx="13095238" cy="50000"/>
             </a:xfrm>
             <a:prstGeom prst="rect">
               <a:avLst/>
@@ -8707,10 +9247,10 @@
         </p:nvGrpSpPr>
         <p:grpSpPr>
           <a:xfrm>
-            <a:off x="1494884" y="3370049"/>
-            <a:ext cx="670426" cy="670426"/>
-            <a:chOff x="1494884" y="3370049"/>
-            <a:chExt cx="670426" cy="670426"/>
+            <a:off x="2613986" y="4357143"/>
+            <a:ext cx="13095238" cy="92857"/>
+            <a:chOff x="2613986" y="4357143"/>
+            <a:chExt cx="13095238" cy="92857"/>
           </a:xfrm>
         </p:grpSpPr>
         <p:pic>
@@ -8729,8 +9269,8 @@
           </p:blipFill>
           <p:spPr>
             <a:xfrm>
-              <a:off x="1494884" y="3370049"/>
-              <a:ext cx="670426" cy="670426"/>
+              <a:off x="2613986" y="4357143"/>
+              <a:ext cx="13095238" cy="92857"/>
             </a:xfrm>
             <a:prstGeom prst="rect">
               <a:avLst/>
@@ -8746,10 +9286,10 @@
         </p:nvGrpSpPr>
         <p:grpSpPr>
           <a:xfrm>
-            <a:off x="1494884" y="4030952"/>
-            <a:ext cx="4606697" cy="9524"/>
-            <a:chOff x="1494884" y="4030952"/>
-            <a:chExt cx="4606697" cy="9524"/>
+            <a:off x="13423509" y="7165143"/>
+            <a:ext cx="4571429" cy="35714"/>
+            <a:chOff x="13423509" y="7165143"/>
+            <a:chExt cx="4571429" cy="35714"/>
           </a:xfrm>
         </p:grpSpPr>
         <p:pic>
@@ -8768,8 +9308,8 @@
           </p:blipFill>
           <p:spPr>
             <a:xfrm>
-              <a:off x="1494884" y="4030952"/>
-              <a:ext cx="4606697" cy="9524"/>
+              <a:off x="13423509" y="7165143"/>
+              <a:ext cx="4571429" cy="35714"/>
             </a:xfrm>
             <a:prstGeom prst="rect">
               <a:avLst/>
@@ -8785,10 +9325,10 @@
         </p:nvGrpSpPr>
         <p:grpSpPr>
           <a:xfrm>
-            <a:off x="1494884" y="3971377"/>
-            <a:ext cx="670426" cy="66667"/>
-            <a:chOff x="1494884" y="3971377"/>
-            <a:chExt cx="670426" cy="66667"/>
+            <a:off x="13443098" y="7919880"/>
+            <a:ext cx="4571429" cy="7143"/>
+            <a:chOff x="13443098" y="7919880"/>
+            <a:chExt cx="4571429" cy="7143"/>
           </a:xfrm>
         </p:grpSpPr>
         <p:pic>
@@ -8807,8 +9347,8 @@
           </p:blipFill>
           <p:spPr>
             <a:xfrm>
-              <a:off x="1494884" y="3971377"/>
-              <a:ext cx="670426" cy="66667"/>
+              <a:off x="13443098" y="7919880"/>
+              <a:ext cx="4571429" cy="7143"/>
             </a:xfrm>
             <a:prstGeom prst="rect">
               <a:avLst/>
@@ -8824,10 +9364,10 @@
         </p:nvGrpSpPr>
         <p:grpSpPr>
           <a:xfrm>
-            <a:off x="6745633" y="3398620"/>
-            <a:ext cx="670426" cy="670426"/>
-            <a:chOff x="6745633" y="3398620"/>
-            <a:chExt cx="670426" cy="670426"/>
+            <a:off x="13423509" y="9689126"/>
+            <a:ext cx="4571429" cy="14286"/>
+            <a:chOff x="13423509" y="9689126"/>
+            <a:chExt cx="4571429" cy="14286"/>
           </a:xfrm>
         </p:grpSpPr>
         <p:pic>
@@ -8839,15 +9379,15 @@
             <p:nvPr/>
           </p:nvPicPr>
           <p:blipFill>
-            <a:blip r:embed="rId4" cstate="print"/>
+            <a:blip r:embed="rId7" cstate="print"/>
             <a:stretch>
               <a:fillRect/>
             </a:stretch>
           </p:blipFill>
           <p:spPr>
             <a:xfrm>
-              <a:off x="6745633" y="3398620"/>
-              <a:ext cx="670426" cy="670426"/>
+              <a:off x="13423509" y="9689126"/>
+              <a:ext cx="4571429" cy="14286"/>
             </a:xfrm>
             <a:prstGeom prst="rect">
               <a:avLst/>
@@ -8863,10 +9403,10 @@
         </p:nvGrpSpPr>
         <p:grpSpPr>
           <a:xfrm>
-            <a:off x="6745633" y="4059523"/>
-            <a:ext cx="4606697" cy="9524"/>
-            <a:chOff x="6745633" y="4059523"/>
-            <a:chExt cx="4606697" cy="9524"/>
+            <a:off x="13218499" y="8446027"/>
+            <a:ext cx="2441750" cy="9524"/>
+            <a:chOff x="13218499" y="8446027"/>
+            <a:chExt cx="2441750" cy="9524"/>
           </a:xfrm>
         </p:grpSpPr>
         <p:pic>
@@ -8878,15 +9418,15 @@
             <p:nvPr/>
           </p:nvPicPr>
           <p:blipFill>
-            <a:blip r:embed="rId5" cstate="print"/>
+            <a:blip r:embed="rId8" cstate="print"/>
             <a:stretch>
               <a:fillRect/>
             </a:stretch>
           </p:blipFill>
           <p:spPr>
-            <a:xfrm>
-              <a:off x="6745633" y="4059523"/>
-              <a:ext cx="4606697" cy="9524"/>
+            <a:xfrm rot="5400000">
+              <a:off x="13218499" y="8446027"/>
+              <a:ext cx="2441750" cy="9524"/>
             </a:xfrm>
             <a:prstGeom prst="rect">
               <a:avLst/>
@@ -8902,10 +9442,10 @@
         </p:nvGrpSpPr>
         <p:grpSpPr>
           <a:xfrm>
-            <a:off x="6745633" y="3999948"/>
-            <a:ext cx="670426" cy="66667"/>
-            <a:chOff x="6745633" y="3999948"/>
-            <a:chExt cx="670426" cy="66667"/>
+            <a:off x="13423509" y="8514511"/>
+            <a:ext cx="4571429" cy="7143"/>
+            <a:chOff x="13423509" y="8514511"/>
+            <a:chExt cx="4571429" cy="7143"/>
           </a:xfrm>
         </p:grpSpPr>
         <p:pic>
@@ -8924,8 +9464,8 @@
           </p:blipFill>
           <p:spPr>
             <a:xfrm>
-              <a:off x="6745633" y="3999948"/>
-              <a:ext cx="670426" cy="66667"/>
+              <a:off x="13423509" y="8514511"/>
+              <a:ext cx="4571429" cy="7143"/>
             </a:xfrm>
             <a:prstGeom prst="rect">
               <a:avLst/>
@@ -8941,93 +9481,15 @@
         </p:nvGrpSpPr>
         <p:grpSpPr>
           <a:xfrm>
-            <a:off x="11996382" y="3398620"/>
-            <a:ext cx="670426" cy="670426"/>
-            <a:chOff x="11996382" y="3398620"/>
-            <a:chExt cx="670426" cy="670426"/>
+            <a:off x="13423509" y="9143667"/>
+            <a:ext cx="4571429" cy="7143"/>
+            <a:chOff x="13423509" y="9143667"/>
+            <a:chExt cx="4571429" cy="7143"/>
           </a:xfrm>
         </p:grpSpPr>
         <p:pic>
           <p:nvPicPr>
             <p:cNvPr id="27" name="Object 26"/>
-            <p:cNvPicPr>
-              <a:picLocks noChangeAspect="1"/>
-            </p:cNvPicPr>
-            <p:nvPr/>
-          </p:nvPicPr>
-          <p:blipFill>
-            <a:blip r:embed="rId4" cstate="print"/>
-            <a:stretch>
-              <a:fillRect/>
-            </a:stretch>
-          </p:blipFill>
-          <p:spPr>
-            <a:xfrm>
-              <a:off x="11996382" y="3398620"/>
-              <a:ext cx="670426" cy="670426"/>
-            </a:xfrm>
-            <a:prstGeom prst="rect">
-              <a:avLst/>
-            </a:prstGeom>
-          </p:spPr>
-        </p:pic>
-      </p:grpSp>
-      <p:grpSp>
-        <p:nvGrpSpPr>
-          <p:cNvPr id="1010" name="그룹 1010"/>
-          <p:cNvGrpSpPr/>
-          <p:nvPr/>
-        </p:nvGrpSpPr>
-        <p:grpSpPr>
-          <a:xfrm>
-            <a:off x="11996382" y="4059523"/>
-            <a:ext cx="4606697" cy="9524"/>
-            <a:chOff x="11996382" y="4059523"/>
-            <a:chExt cx="4606697" cy="9524"/>
-          </a:xfrm>
-        </p:grpSpPr>
-        <p:pic>
-          <p:nvPicPr>
-            <p:cNvPr id="30" name="Object 29"/>
-            <p:cNvPicPr>
-              <a:picLocks noChangeAspect="1"/>
-            </p:cNvPicPr>
-            <p:nvPr/>
-          </p:nvPicPr>
-          <p:blipFill>
-            <a:blip r:embed="rId5" cstate="print"/>
-            <a:stretch>
-              <a:fillRect/>
-            </a:stretch>
-          </p:blipFill>
-          <p:spPr>
-            <a:xfrm>
-              <a:off x="11996382" y="4059523"/>
-              <a:ext cx="4606697" cy="9524"/>
-            </a:xfrm>
-            <a:prstGeom prst="rect">
-              <a:avLst/>
-            </a:prstGeom>
-          </p:spPr>
-        </p:pic>
-      </p:grpSp>
-      <p:grpSp>
-        <p:nvGrpSpPr>
-          <p:cNvPr id="1011" name="그룹 1011"/>
-          <p:cNvGrpSpPr/>
-          <p:nvPr/>
-        </p:nvGrpSpPr>
-        <p:grpSpPr>
-          <a:xfrm>
-            <a:off x="11996382" y="3999948"/>
-            <a:ext cx="670426" cy="66667"/>
-            <a:chOff x="11996382" y="3999948"/>
-            <a:chExt cx="670426" cy="66667"/>
-          </a:xfrm>
-        </p:grpSpPr>
-        <p:pic>
-          <p:nvPicPr>
-            <p:cNvPr id="33" name="Object 32"/>
             <p:cNvPicPr>
               <a:picLocks noChangeAspect="1"/>
             </p:cNvPicPr>
@@ -9041,281 +9503,8 @@
           </p:blipFill>
           <p:spPr>
             <a:xfrm>
-              <a:off x="11996382" y="3999948"/>
-              <a:ext cx="670426" cy="66667"/>
-            </a:xfrm>
-            <a:prstGeom prst="rect">
-              <a:avLst/>
-            </a:prstGeom>
-          </p:spPr>
-        </p:pic>
-      </p:grpSp>
-      <p:grpSp>
-        <p:nvGrpSpPr>
-          <p:cNvPr id="1012" name="그룹 1012"/>
-          <p:cNvGrpSpPr/>
-          <p:nvPr/>
-        </p:nvGrpSpPr>
-        <p:grpSpPr>
-          <a:xfrm>
-            <a:off x="1494884" y="6084335"/>
-            <a:ext cx="670426" cy="670426"/>
-            <a:chOff x="1494884" y="6084335"/>
-            <a:chExt cx="670426" cy="670426"/>
-          </a:xfrm>
-        </p:grpSpPr>
-        <p:pic>
-          <p:nvPicPr>
-            <p:cNvPr id="36" name="Object 35"/>
-            <p:cNvPicPr>
-              <a:picLocks noChangeAspect="1"/>
-            </p:cNvPicPr>
-            <p:nvPr/>
-          </p:nvPicPr>
-          <p:blipFill>
-            <a:blip r:embed="rId4" cstate="print"/>
-            <a:stretch>
-              <a:fillRect/>
-            </a:stretch>
-          </p:blipFill>
-          <p:spPr>
-            <a:xfrm>
-              <a:off x="1494884" y="6084335"/>
-              <a:ext cx="670426" cy="670426"/>
-            </a:xfrm>
-            <a:prstGeom prst="rect">
-              <a:avLst/>
-            </a:prstGeom>
-          </p:spPr>
-        </p:pic>
-      </p:grpSp>
-      <p:grpSp>
-        <p:nvGrpSpPr>
-          <p:cNvPr id="1013" name="그룹 1013"/>
-          <p:cNvGrpSpPr/>
-          <p:nvPr/>
-        </p:nvGrpSpPr>
-        <p:grpSpPr>
-          <a:xfrm>
-            <a:off x="1494884" y="6745237"/>
-            <a:ext cx="4606697" cy="9524"/>
-            <a:chOff x="1494884" y="6745237"/>
-            <a:chExt cx="4606697" cy="9524"/>
-          </a:xfrm>
-        </p:grpSpPr>
-        <p:pic>
-          <p:nvPicPr>
-            <p:cNvPr id="39" name="Object 38"/>
-            <p:cNvPicPr>
-              <a:picLocks noChangeAspect="1"/>
-            </p:cNvPicPr>
-            <p:nvPr/>
-          </p:nvPicPr>
-          <p:blipFill>
-            <a:blip r:embed="rId5" cstate="print"/>
-            <a:stretch>
-              <a:fillRect/>
-            </a:stretch>
-          </p:blipFill>
-          <p:spPr>
-            <a:xfrm>
-              <a:off x="1494884" y="6745237"/>
-              <a:ext cx="4606697" cy="9524"/>
-            </a:xfrm>
-            <a:prstGeom prst="rect">
-              <a:avLst/>
-            </a:prstGeom>
-          </p:spPr>
-        </p:pic>
-      </p:grpSp>
-      <p:grpSp>
-        <p:nvGrpSpPr>
-          <p:cNvPr id="1014" name="그룹 1014"/>
-          <p:cNvGrpSpPr/>
-          <p:nvPr/>
-        </p:nvGrpSpPr>
-        <p:grpSpPr>
-          <a:xfrm>
-            <a:off x="1494884" y="6685663"/>
-            <a:ext cx="670426" cy="66667"/>
-            <a:chOff x="1494884" y="6685663"/>
-            <a:chExt cx="670426" cy="66667"/>
-          </a:xfrm>
-        </p:grpSpPr>
-        <p:pic>
-          <p:nvPicPr>
-            <p:cNvPr id="42" name="Object 41"/>
-            <p:cNvPicPr>
-              <a:picLocks noChangeAspect="1"/>
-            </p:cNvPicPr>
-            <p:nvPr/>
-          </p:nvPicPr>
-          <p:blipFill>
-            <a:blip r:embed="rId6" cstate="print"/>
-            <a:stretch>
-              <a:fillRect/>
-            </a:stretch>
-          </p:blipFill>
-          <p:spPr>
-            <a:xfrm>
-              <a:off x="1494884" y="6685663"/>
-              <a:ext cx="670426" cy="66667"/>
-            </a:xfrm>
-            <a:prstGeom prst="rect">
-              <a:avLst/>
-            </a:prstGeom>
-          </p:spPr>
-        </p:pic>
-      </p:grpSp>
-      <p:grpSp>
-        <p:nvGrpSpPr>
-          <p:cNvPr id="1015" name="그룹 1015"/>
-          <p:cNvGrpSpPr/>
-          <p:nvPr/>
-        </p:nvGrpSpPr>
-        <p:grpSpPr>
-          <a:xfrm>
-            <a:off x="11996382" y="6084335"/>
-            <a:ext cx="670426" cy="670426"/>
-            <a:chOff x="11996382" y="6084335"/>
-            <a:chExt cx="670426" cy="670426"/>
-          </a:xfrm>
-        </p:grpSpPr>
-        <p:pic>
-          <p:nvPicPr>
-            <p:cNvPr id="45" name="Object 44"/>
-            <p:cNvPicPr>
-              <a:picLocks noChangeAspect="1"/>
-            </p:cNvPicPr>
-            <p:nvPr/>
-          </p:nvPicPr>
-          <p:blipFill>
-            <a:blip r:embed="rId4" cstate="print"/>
-            <a:stretch>
-              <a:fillRect/>
-            </a:stretch>
-          </p:blipFill>
-          <p:spPr>
-            <a:xfrm>
-              <a:off x="11996382" y="6084335"/>
-              <a:ext cx="670426" cy="670426"/>
-            </a:xfrm>
-            <a:prstGeom prst="rect">
-              <a:avLst/>
-            </a:prstGeom>
-          </p:spPr>
-        </p:pic>
-      </p:grpSp>
-      <p:grpSp>
-        <p:nvGrpSpPr>
-          <p:cNvPr id="1016" name="그룹 1016"/>
-          <p:cNvGrpSpPr/>
-          <p:nvPr/>
-        </p:nvGrpSpPr>
-        <p:grpSpPr>
-          <a:xfrm>
-            <a:off x="11996382" y="6745237"/>
-            <a:ext cx="4606697" cy="9524"/>
-            <a:chOff x="11996382" y="6745237"/>
-            <a:chExt cx="4606697" cy="9524"/>
-          </a:xfrm>
-        </p:grpSpPr>
-        <p:pic>
-          <p:nvPicPr>
-            <p:cNvPr id="48" name="Object 47"/>
-            <p:cNvPicPr>
-              <a:picLocks noChangeAspect="1"/>
-            </p:cNvPicPr>
-            <p:nvPr/>
-          </p:nvPicPr>
-          <p:blipFill>
-            <a:blip r:embed="rId5" cstate="print"/>
-            <a:stretch>
-              <a:fillRect/>
-            </a:stretch>
-          </p:blipFill>
-          <p:spPr>
-            <a:xfrm>
-              <a:off x="11996382" y="6745237"/>
-              <a:ext cx="4606697" cy="9524"/>
-            </a:xfrm>
-            <a:prstGeom prst="rect">
-              <a:avLst/>
-            </a:prstGeom>
-          </p:spPr>
-        </p:pic>
-      </p:grpSp>
-      <p:grpSp>
-        <p:nvGrpSpPr>
-          <p:cNvPr id="1017" name="그룹 1017"/>
-          <p:cNvGrpSpPr/>
-          <p:nvPr/>
-        </p:nvGrpSpPr>
-        <p:grpSpPr>
-          <a:xfrm>
-            <a:off x="11996382" y="6685663"/>
-            <a:ext cx="670426" cy="66667"/>
-            <a:chOff x="11996382" y="6685663"/>
-            <a:chExt cx="670426" cy="66667"/>
-          </a:xfrm>
-        </p:grpSpPr>
-        <p:pic>
-          <p:nvPicPr>
-            <p:cNvPr id="51" name="Object 50"/>
-            <p:cNvPicPr>
-              <a:picLocks noChangeAspect="1"/>
-            </p:cNvPicPr>
-            <p:nvPr/>
-          </p:nvPicPr>
-          <p:blipFill>
-            <a:blip r:embed="rId6" cstate="print"/>
-            <a:stretch>
-              <a:fillRect/>
-            </a:stretch>
-          </p:blipFill>
-          <p:spPr>
-            <a:xfrm>
-              <a:off x="11996382" y="6685663"/>
-              <a:ext cx="670426" cy="66667"/>
-            </a:xfrm>
-            <a:prstGeom prst="rect">
-              <a:avLst/>
-            </a:prstGeom>
-          </p:spPr>
-        </p:pic>
-      </p:grpSp>
-      <p:grpSp>
-        <p:nvGrpSpPr>
-          <p:cNvPr id="1018" name="그룹 1018"/>
-          <p:cNvGrpSpPr/>
-          <p:nvPr/>
-        </p:nvGrpSpPr>
-        <p:grpSpPr>
-          <a:xfrm>
-            <a:off x="1229619" y="1532412"/>
-            <a:ext cx="3053047" cy="47619"/>
-            <a:chOff x="1229619" y="1532412"/>
-            <a:chExt cx="3053047" cy="47619"/>
-          </a:xfrm>
-        </p:grpSpPr>
-        <p:pic>
-          <p:nvPicPr>
-            <p:cNvPr id="54" name="Object 53"/>
-            <p:cNvPicPr>
-              <a:picLocks noChangeAspect="1"/>
-            </p:cNvPicPr>
-            <p:nvPr/>
-          </p:nvPicPr>
-          <p:blipFill>
-            <a:blip r:embed="rId7" cstate="print"/>
-            <a:stretch>
-              <a:fillRect/>
-            </a:stretch>
-          </p:blipFill>
-          <p:spPr>
-            <a:xfrm>
-              <a:off x="1229619" y="1532412"/>
-              <a:ext cx="3053047" cy="47619"/>
+              <a:off x="13423509" y="9143667"/>
+              <a:ext cx="4571429" cy="7143"/>
             </a:xfrm>
             <a:prstGeom prst="rect">
               <a:avLst/>
@@ -9325,31 +9514,7 @@
       </p:grpSp>
       <p:pic>
         <p:nvPicPr>
-          <p:cNvPr id="56" name="Object 55"/>
-          <p:cNvPicPr>
-            <a:picLocks noChangeAspect="1"/>
-          </p:cNvPicPr>
-          <p:nvPr/>
-        </p:nvPicPr>
-        <p:blipFill>
-          <a:blip r:embed="rId8" cstate="print"/>
-          <a:stretch>
-            <a:fillRect/>
-          </a:stretch>
-        </p:blipFill>
-        <p:spPr>
-          <a:xfrm>
-            <a:off x="1016286" y="419974"/>
-            <a:ext cx="2084581" cy="1683981"/>
-          </a:xfrm>
-          <a:prstGeom prst="rect">
-            <a:avLst/>
-          </a:prstGeom>
-        </p:spPr>
-      </p:pic>
-      <p:pic>
-        <p:nvPicPr>
-          <p:cNvPr id="57" name="Object 56"/>
+          <p:cNvPr id="29" name="Object 28"/>
           <p:cNvPicPr>
             <a:picLocks noChangeAspect="1"/>
           </p:cNvPicPr>
@@ -9363,8 +9528,8 @@
         </p:blipFill>
         <p:spPr>
           <a:xfrm>
-            <a:off x="2221298" y="3230511"/>
-            <a:ext cx="1615467" cy="1086019"/>
+            <a:off x="-801557" y="1525032"/>
+            <a:ext cx="17334448" cy="3755667"/>
           </a:xfrm>
           <a:prstGeom prst="rect">
             <a:avLst/>
@@ -9373,7 +9538,7 @@
       </p:pic>
       <p:pic>
         <p:nvPicPr>
-          <p:cNvPr id="58" name="Object 57"/>
+          <p:cNvPr id="30" name="Object 29"/>
           <p:cNvPicPr>
             <a:picLocks noChangeAspect="1"/>
           </p:cNvPicPr>
@@ -9387,8 +9552,8 @@
         </p:blipFill>
         <p:spPr>
           <a:xfrm>
-            <a:off x="1531748" y="3230030"/>
-            <a:ext cx="736886" cy="981819"/>
+            <a:off x="5976636" y="4381877"/>
+            <a:ext cx="6083857" cy="1122943"/>
           </a:xfrm>
           <a:prstGeom prst="rect">
             <a:avLst/>
@@ -9397,7 +9562,7 @@
       </p:pic>
       <p:pic>
         <p:nvPicPr>
-          <p:cNvPr id="59" name="Object 58"/>
+          <p:cNvPr id="31" name="Object 30"/>
           <p:cNvPicPr>
             <a:picLocks noChangeAspect="1"/>
           </p:cNvPicPr>
@@ -9411,8 +9576,8 @@
         </p:blipFill>
         <p:spPr>
           <a:xfrm>
-            <a:off x="7481570" y="3259082"/>
-            <a:ext cx="4192695" cy="1086019"/>
+            <a:off x="17004916" y="202103"/>
+            <a:ext cx="1097943" cy="797924"/>
           </a:xfrm>
           <a:prstGeom prst="rect">
             <a:avLst/>
@@ -9421,7 +9586,7 @@
       </p:pic>
       <p:pic>
         <p:nvPicPr>
-          <p:cNvPr id="60" name="Object 59"/>
+          <p:cNvPr id="32" name="Object 31"/>
           <p:cNvPicPr>
             <a:picLocks noChangeAspect="1"/>
           </p:cNvPicPr>
@@ -9435,8 +9600,8 @@
         </p:blipFill>
         <p:spPr>
           <a:xfrm>
-            <a:off x="6806905" y="3258600"/>
-            <a:ext cx="739848" cy="981819"/>
+            <a:off x="13507505" y="7208576"/>
+            <a:ext cx="1015619" cy="882390"/>
           </a:xfrm>
           <a:prstGeom prst="rect">
             <a:avLst/>
@@ -9445,7 +9610,7 @@
       </p:pic>
       <p:pic>
         <p:nvPicPr>
-          <p:cNvPr id="61" name="Object 60"/>
+          <p:cNvPr id="33" name="Object 32"/>
           <p:cNvPicPr>
             <a:picLocks noChangeAspect="1"/>
           </p:cNvPicPr>
@@ -9459,8 +9624,8 @@
         </p:blipFill>
         <p:spPr>
           <a:xfrm>
-            <a:off x="12741843" y="3298663"/>
-            <a:ext cx="2931562" cy="1635448"/>
+            <a:off x="13507391" y="7871314"/>
+            <a:ext cx="1044419" cy="882733"/>
           </a:xfrm>
           <a:prstGeom prst="rect">
             <a:avLst/>
@@ -9469,7 +9634,7 @@
       </p:pic>
       <p:pic>
         <p:nvPicPr>
-          <p:cNvPr id="62" name="Object 61"/>
+          <p:cNvPr id="34" name="Object 33"/>
           <p:cNvPicPr>
             <a:picLocks noChangeAspect="1"/>
           </p:cNvPicPr>
@@ -9483,8 +9648,8 @@
         </p:blipFill>
         <p:spPr>
           <a:xfrm>
-            <a:off x="12062543" y="3258600"/>
-            <a:ext cx="725133" cy="991343"/>
+            <a:off x="13507391" y="8426038"/>
+            <a:ext cx="1025371" cy="882733"/>
           </a:xfrm>
           <a:prstGeom prst="rect">
             <a:avLst/>
@@ -9493,7 +9658,31 @@
       </p:pic>
       <p:pic>
         <p:nvPicPr>
-          <p:cNvPr id="63" name="Object 62"/>
+          <p:cNvPr id="35" name="Object 34"/>
+          <p:cNvPicPr>
+            <a:picLocks noChangeAspect="1"/>
+          </p:cNvPicPr>
+          <p:nvPr/>
+        </p:nvPicPr>
+        <p:blipFill>
+          <a:blip r:embed="rId14" cstate="print"/>
+          <a:stretch>
+            <a:fillRect/>
+          </a:stretch>
+        </p:blipFill>
+        <p:spPr>
+          <a:xfrm>
+            <a:off x="13543581" y="9024134"/>
+            <a:ext cx="1025371" cy="882733"/>
+          </a:xfrm>
+          <a:prstGeom prst="rect">
+            <a:avLst/>
+          </a:prstGeom>
+        </p:spPr>
+      </p:pic>
+      <p:pic>
+        <p:nvPicPr>
+          <p:cNvPr id="36" name="Object 35"/>
           <p:cNvPicPr>
             <a:picLocks noChangeAspect="1"/>
           </p:cNvPicPr>
@@ -9507,8 +9696,8 @@
         </p:blipFill>
         <p:spPr>
           <a:xfrm>
-            <a:off x="2240345" y="5984377"/>
-            <a:ext cx="3347038" cy="1635448"/>
+            <a:off x="14895591" y="7096166"/>
+            <a:ext cx="2385705" cy="1078581"/>
           </a:xfrm>
           <a:prstGeom prst="rect">
             <a:avLst/>
@@ -9517,7 +9706,7 @@
       </p:pic>
       <p:pic>
         <p:nvPicPr>
-          <p:cNvPr id="64" name="Object 63"/>
+          <p:cNvPr id="37" name="Object 36"/>
           <p:cNvPicPr>
             <a:picLocks noChangeAspect="1"/>
           </p:cNvPicPr>
@@ -9531,8 +9720,8 @@
         </p:blipFill>
         <p:spPr>
           <a:xfrm>
-            <a:off x="1573571" y="5944314"/>
-            <a:ext cx="687619" cy="981819"/>
+            <a:off x="14903210" y="7741880"/>
+            <a:ext cx="2385705" cy="1069057"/>
           </a:xfrm>
           <a:prstGeom prst="rect">
             <a:avLst/>
@@ -9541,7 +9730,7 @@
       </p:pic>
       <p:pic>
         <p:nvPicPr>
-          <p:cNvPr id="65" name="Object 64"/>
+          <p:cNvPr id="38" name="Object 37"/>
           <p:cNvPicPr>
             <a:picLocks noChangeAspect="1"/>
           </p:cNvPicPr>
@@ -9555,8 +9744,8 @@
         </p:blipFill>
         <p:spPr>
           <a:xfrm>
-            <a:off x="12779939" y="5897177"/>
-            <a:ext cx="1594610" cy="1124114"/>
+            <a:off x="14901305" y="8368547"/>
+            <a:ext cx="2423800" cy="1078581"/>
           </a:xfrm>
           <a:prstGeom prst="rect">
             <a:avLst/>
@@ -9565,7 +9754,7 @@
       </p:pic>
       <p:pic>
         <p:nvPicPr>
-          <p:cNvPr id="66" name="Object 65"/>
+          <p:cNvPr id="39" name="Object 38"/>
           <p:cNvPicPr>
             <a:picLocks noChangeAspect="1"/>
           </p:cNvPicPr>
@@ -9579,197 +9768,8 @@
         </p:blipFill>
         <p:spPr>
           <a:xfrm>
-            <a:off x="12072682" y="5944313"/>
-            <a:ext cx="685238" cy="991343"/>
-          </a:xfrm>
-          <a:prstGeom prst="rect">
-            <a:avLst/>
-          </a:prstGeom>
-        </p:spPr>
-      </p:pic>
-      <p:pic>
-        <p:nvPicPr>
-          <p:cNvPr id="67" name="Object 66"/>
-          <p:cNvPicPr>
-            <a:picLocks noChangeAspect="1"/>
-          </p:cNvPicPr>
-          <p:nvPr/>
-        </p:nvPicPr>
-        <p:blipFill>
-          <a:blip r:embed="rId19" cstate="print"/>
-          <a:stretch>
-            <a:fillRect/>
-          </a:stretch>
-        </p:blipFill>
-        <p:spPr>
-          <a:xfrm>
-            <a:off x="16799913" y="9658752"/>
-            <a:ext cx="1097943" cy="797924"/>
-          </a:xfrm>
-          <a:prstGeom prst="rect">
-            <a:avLst/>
-          </a:prstGeom>
-        </p:spPr>
-      </p:pic>
-      <p:grpSp>
-        <p:nvGrpSpPr>
-          <p:cNvPr id="1019" name="그룹 1019"/>
-          <p:cNvGrpSpPr/>
-          <p:nvPr/>
-        </p:nvGrpSpPr>
-        <p:grpSpPr>
-          <a:xfrm>
-            <a:off x="6745633" y="6084335"/>
-            <a:ext cx="670426" cy="670426"/>
-            <a:chOff x="6745633" y="6084335"/>
-            <a:chExt cx="670426" cy="670426"/>
-          </a:xfrm>
-        </p:grpSpPr>
-        <p:pic>
-          <p:nvPicPr>
-            <p:cNvPr id="69" name="Object 68"/>
-            <p:cNvPicPr>
-              <a:picLocks noChangeAspect="1"/>
-            </p:cNvPicPr>
-            <p:nvPr/>
-          </p:nvPicPr>
-          <p:blipFill>
-            <a:blip r:embed="rId4" cstate="print"/>
-            <a:stretch>
-              <a:fillRect/>
-            </a:stretch>
-          </p:blipFill>
-          <p:spPr>
-            <a:xfrm>
-              <a:off x="6745633" y="6084335"/>
-              <a:ext cx="670426" cy="670426"/>
-            </a:xfrm>
-            <a:prstGeom prst="rect">
-              <a:avLst/>
-            </a:prstGeom>
-          </p:spPr>
-        </p:pic>
-      </p:grpSp>
-      <p:grpSp>
-        <p:nvGrpSpPr>
-          <p:cNvPr id="1020" name="그룹 1020"/>
-          <p:cNvGrpSpPr/>
-          <p:nvPr/>
-        </p:nvGrpSpPr>
-        <p:grpSpPr>
-          <a:xfrm>
-            <a:off x="6745633" y="6745237"/>
-            <a:ext cx="4606697" cy="9524"/>
-            <a:chOff x="6745633" y="6745237"/>
-            <a:chExt cx="4606697" cy="9524"/>
-          </a:xfrm>
-        </p:grpSpPr>
-        <p:pic>
-          <p:nvPicPr>
-            <p:cNvPr id="72" name="Object 71"/>
-            <p:cNvPicPr>
-              <a:picLocks noChangeAspect="1"/>
-            </p:cNvPicPr>
-            <p:nvPr/>
-          </p:nvPicPr>
-          <p:blipFill>
-            <a:blip r:embed="rId5" cstate="print"/>
-            <a:stretch>
-              <a:fillRect/>
-            </a:stretch>
-          </p:blipFill>
-          <p:spPr>
-            <a:xfrm>
-              <a:off x="6745633" y="6745237"/>
-              <a:ext cx="4606697" cy="9524"/>
-            </a:xfrm>
-            <a:prstGeom prst="rect">
-              <a:avLst/>
-            </a:prstGeom>
-          </p:spPr>
-        </p:pic>
-      </p:grpSp>
-      <p:grpSp>
-        <p:nvGrpSpPr>
-          <p:cNvPr id="1021" name="그룹 1021"/>
-          <p:cNvGrpSpPr/>
-          <p:nvPr/>
-        </p:nvGrpSpPr>
-        <p:grpSpPr>
-          <a:xfrm>
-            <a:off x="6745633" y="6685663"/>
-            <a:ext cx="670426" cy="66667"/>
-            <a:chOff x="6745633" y="6685663"/>
-            <a:chExt cx="670426" cy="66667"/>
-          </a:xfrm>
-        </p:grpSpPr>
-        <p:pic>
-          <p:nvPicPr>
-            <p:cNvPr id="75" name="Object 74"/>
-            <p:cNvPicPr>
-              <a:picLocks noChangeAspect="1"/>
-            </p:cNvPicPr>
-            <p:nvPr/>
-          </p:nvPicPr>
-          <p:blipFill>
-            <a:blip r:embed="rId6" cstate="print"/>
-            <a:stretch>
-              <a:fillRect/>
-            </a:stretch>
-          </p:blipFill>
-          <p:spPr>
-            <a:xfrm>
-              <a:off x="6745633" y="6685663"/>
-              <a:ext cx="670426" cy="66667"/>
-            </a:xfrm>
-            <a:prstGeom prst="rect">
-              <a:avLst/>
-            </a:prstGeom>
-          </p:spPr>
-        </p:pic>
-      </p:grpSp>
-      <p:pic>
-        <p:nvPicPr>
-          <p:cNvPr id="77" name="Object 76"/>
-          <p:cNvPicPr>
-            <a:picLocks noChangeAspect="1"/>
-          </p:cNvPicPr>
-          <p:nvPr/>
-        </p:nvPicPr>
-        <p:blipFill>
-          <a:blip r:embed="rId20" cstate="print"/>
-          <a:stretch>
-            <a:fillRect/>
-          </a:stretch>
-        </p:blipFill>
-        <p:spPr>
-          <a:xfrm>
-            <a:off x="7548237" y="5984377"/>
-            <a:ext cx="2594067" cy="1635448"/>
-          </a:xfrm>
-          <a:prstGeom prst="rect">
-            <a:avLst/>
-          </a:prstGeom>
-        </p:spPr>
-      </p:pic>
-      <p:pic>
-        <p:nvPicPr>
-          <p:cNvPr id="78" name="Object 77"/>
-          <p:cNvPicPr>
-            <a:picLocks noChangeAspect="1"/>
-          </p:cNvPicPr>
-          <p:nvPr/>
-        </p:nvPicPr>
-        <p:blipFill>
-          <a:blip r:embed="rId21" cstate="print"/>
-          <a:stretch>
-            <a:fillRect/>
-          </a:stretch>
-        </p:blipFill>
-        <p:spPr>
-          <a:xfrm>
-            <a:off x="6809733" y="5944314"/>
-            <a:ext cx="731362" cy="991343"/>
+            <a:off x="14901305" y="8949499"/>
+            <a:ext cx="2490467" cy="1078581"/>
           </a:xfrm>
           <a:prstGeom prst="rect">
             <a:avLst/>
